--- a/Documents/Sculptor.pptx
+++ b/Documents/Sculptor.pptx
@@ -109,6 +109,11 @@
       </a:defRPr>
     </a:lvl9pPr>
   </p:defaultTextStyle>
+  <p:extLst>
+    <p:ext uri="{EFAFB233-063F-42B5-8137-9DF3F51BA10A}">
+      <p15:sldGuideLst xmlns:p15="http://schemas.microsoft.com/office/powerpoint/2012/main"/>
+    </p:ext>
+  </p:extLst>
 </p:presentation>
 </file>
 
@@ -3854,7 +3859,7 @@
         </p:blipFill>
         <p:spPr bwMode="auto">
           <a:xfrm>
-            <a:off x="1232646" y="4505604"/>
+            <a:off x="703727" y="4533942"/>
             <a:ext cx="1779495" cy="1779495"/>
           </a:xfrm>
           <a:prstGeom prst="rect">
@@ -3901,7 +3906,7 @@
         </p:blipFill>
         <p:spPr bwMode="auto">
           <a:xfrm>
-            <a:off x="3711550" y="4373786"/>
+            <a:off x="4999073" y="4402124"/>
             <a:ext cx="1911313" cy="1911313"/>
           </a:xfrm>
           <a:prstGeom prst="rect">
@@ -3948,7 +3953,7 @@
         </p:blipFill>
         <p:spPr bwMode="auto">
           <a:xfrm>
-            <a:off x="6263292" y="4285581"/>
+            <a:off x="7330093" y="4313919"/>
             <a:ext cx="1917436" cy="1872696"/>
           </a:xfrm>
           <a:prstGeom prst="rect">
@@ -3995,8 +4000,55 @@
         </p:blipFill>
         <p:spPr bwMode="auto">
           <a:xfrm>
-            <a:off x="8889793" y="4448213"/>
+            <a:off x="9667236" y="4496279"/>
             <a:ext cx="1723001" cy="1723001"/>
+          </a:xfrm>
+          <a:prstGeom prst="rect">
+            <a:avLst/>
+          </a:prstGeom>
+          <a:noFill/>
+          <a:extLst>
+            <a:ext uri="{909E8E84-426E-40DD-AFC4-6F175D3DCCD1}">
+              <a14:hiddenFill xmlns:a14="http://schemas.microsoft.com/office/drawing/2010/main">
+                <a:solidFill>
+                  <a:srgbClr val="FFFFFF"/>
+                </a:solidFill>
+              </a14:hiddenFill>
+            </a:ext>
+          </a:extLst>
+        </p:spPr>
+      </p:pic>
+      <p:pic>
+        <p:nvPicPr>
+          <p:cNvPr id="3" name="Picture 2">
+            <a:extLst>
+              <a:ext uri="{FF2B5EF4-FFF2-40B4-BE49-F238E27FC236}">
+                <a16:creationId xmlns:a16="http://schemas.microsoft.com/office/drawing/2014/main" id="{03F6640C-DA68-595F-3014-7BE878220A66}"/>
+              </a:ext>
+            </a:extLst>
+          </p:cNvPr>
+          <p:cNvPicPr>
+            <a:picLocks noChangeAspect="1" noChangeArrowheads="1"/>
+          </p:cNvPicPr>
+          <p:nvPr/>
+        </p:nvPicPr>
+        <p:blipFill>
+          <a:blip r:embed="rId10">
+            <a:extLst>
+              <a:ext uri="{28A0092B-C50C-407E-A947-70E740481C1C}">
+                <a14:useLocalDpi xmlns:a14="http://schemas.microsoft.com/office/drawing/2010/main" val="0"/>
+              </a:ext>
+            </a:extLst>
+          </a:blip>
+          <a:srcRect/>
+          <a:stretch>
+            <a:fillRect/>
+          </a:stretch>
+        </p:blipFill>
+        <p:spPr bwMode="auto">
+          <a:xfrm>
+            <a:off x="2643294" y="4313919"/>
+            <a:ext cx="2145926" cy="2145926"/>
           </a:xfrm>
           <a:prstGeom prst="rect">
             <a:avLst/>
